--- a/chapter-04/02-auth/04_02_auth.pptx
+++ b/chapter-04/02-auth/04_02_auth.pptx
@@ -259,7 +259,7 @@
           <a:p>
             <a:fld id="{7C2A2C10-8C9F-9B42-9862-A5B84F1CAB8B}" type="datetimeFigureOut">
               <a:rPr lang="en-US" smtClean="0"/>
-              <a:t>4/15/2023</a:t>
+              <a:t>4/16/2023</a:t>
             </a:fld>
             <a:endParaRPr lang="en-US"/>
           </a:p>
@@ -15457,7 +15457,7 @@
           <a:p>
             <a:r>
               <a:rPr lang="en-US" dirty="0"/>
-              <a:t>Service accounts</a:t>
+              <a:t>Service Accounts</a:t>
             </a:r>
           </a:p>
         </p:txBody>
@@ -15714,15 +15714,7 @@
           <a:p>
             <a:r>
               <a:rPr lang="en-US" dirty="0"/>
-              <a:t>Use the token to query the Kubernetes API </a:t>
-            </a:r>
-            <a:r>
-              <a:rPr lang="en-US"/>
-              <a:t>and view </a:t>
-            </a:r>
-            <a:r>
-              <a:rPr lang="en-US" dirty="0"/>
-              <a:t>all the Pods</a:t>
+              <a:t>Use the token to query the Kubernetes API and view all the Pods</a:t>
             </a:r>
           </a:p>
         </p:txBody>
